--- a/Lection4/Lecture4.pptx
+++ b/Lection4/Lecture4.pptx
@@ -13,8 +13,12 @@
     <p:sldId id="309" r:id="rId7"/>
     <p:sldId id="293" r:id="rId8"/>
     <p:sldId id="294" r:id="rId9"/>
-    <p:sldId id="291" r:id="rId10"/>
-    <p:sldId id="292" r:id="rId11"/>
+    <p:sldId id="311" r:id="rId10"/>
+    <p:sldId id="313" r:id="rId11"/>
+    <p:sldId id="312" r:id="rId12"/>
+    <p:sldId id="314" r:id="rId13"/>
+    <p:sldId id="291" r:id="rId14"/>
+    <p:sldId id="292" r:id="rId15"/>
   </p:sldIdLst>
   <p:sldSz cx="9144000" cy="6858000" type="screen4x3"/>
   <p:notesSz cx="6858000" cy="9144000"/>
@@ -3709,6 +3713,709 @@
       </p:grpSpPr>
       <p:sp>
         <p:nvSpPr>
+          <p:cNvPr id="2" name="Title 1"/>
+          <p:cNvSpPr>
+            <a:spLocks noGrp="1"/>
+          </p:cNvSpPr>
+          <p:nvPr>
+            <p:ph type="title"/>
+          </p:nvPr>
+        </p:nvSpPr>
+        <p:spPr/>
+        <p:txBody>
+          <a:bodyPr/>
+          <a:lstStyle/>
+          <a:p>
+            <a:r>
+              <a:rPr lang="bg-BG" dirty="0" smtClean="0">
+                <a:solidFill>
+                  <a:schemeClr val="bg1"/>
+                </a:solidFill>
+              </a:rPr>
+              <a:t>Матрица</a:t>
+            </a:r>
+            <a:endParaRPr lang="en-US" dirty="0">
+              <a:ln w="18415" cmpd="sng">
+                <a:solidFill>
+                  <a:srgbClr val="FFFFFF"/>
+                </a:solidFill>
+                <a:prstDash val="solid"/>
+              </a:ln>
+              <a:solidFill>
+                <a:srgbClr val="FFFFFF"/>
+              </a:solidFill>
+            </a:endParaRPr>
+          </a:p>
+        </p:txBody>
+      </p:sp>
+      <p:sp>
+        <p:nvSpPr>
+          <p:cNvPr id="6" name="Content Placeholder 2"/>
+          <p:cNvSpPr>
+            <a:spLocks noGrp="1"/>
+          </p:cNvSpPr>
+          <p:nvPr>
+            <p:ph idx="1"/>
+          </p:nvPr>
+        </p:nvSpPr>
+        <p:spPr>
+          <a:xfrm>
+            <a:off x="611560" y="1628800"/>
+            <a:ext cx="7632848" cy="2736304"/>
+          </a:xfrm>
+        </p:spPr>
+        <p:txBody>
+          <a:bodyPr/>
+          <a:lstStyle/>
+          <a:p>
+            <a:pPr marL="1444625"/>
+            <a:r>
+              <a:rPr lang="bg-BG" dirty="0" smtClean="0">
+                <a:ln w="18415" cmpd="sng">
+                  <a:noFill/>
+                  <a:prstDash val="solid"/>
+                </a:ln>
+                <a:solidFill>
+                  <a:srgbClr val="FFFFFF"/>
+                </a:solidFill>
+              </a:rPr>
+              <a:t>Инициализация</a:t>
+            </a:r>
+          </a:p>
+          <a:p>
+            <a:pPr marL="1444625"/>
+            <a:r>
+              <a:rPr lang="bg-BG" dirty="0" smtClean="0">
+                <a:ln w="18415" cmpd="sng">
+                  <a:noFill/>
+                  <a:prstDash val="solid"/>
+                </a:ln>
+                <a:solidFill>
+                  <a:srgbClr val="FFFFFF"/>
+                </a:solidFill>
+              </a:rPr>
+              <a:t>Достъп до елементите</a:t>
+            </a:r>
+          </a:p>
+          <a:p>
+            <a:pPr marL="1444625"/>
+            <a:r>
+              <a:rPr lang="bg-BG" dirty="0" smtClean="0">
+                <a:ln w="18415" cmpd="sng">
+                  <a:noFill/>
+                  <a:prstDash val="solid"/>
+                </a:ln>
+                <a:solidFill>
+                  <a:srgbClr val="FFFFFF"/>
+                </a:solidFill>
+              </a:rPr>
+              <a:t>Големина</a:t>
+            </a:r>
+            <a:r>
+              <a:rPr lang="en-US" dirty="0" smtClean="0">
+                <a:ln w="18415" cmpd="sng">
+                  <a:noFill/>
+                  <a:prstDash val="solid"/>
+                </a:ln>
+                <a:solidFill>
+                  <a:srgbClr val="FFFFFF"/>
+                </a:solidFill>
+              </a:rPr>
+              <a:t>- </a:t>
+            </a:r>
+            <a:r>
+              <a:rPr lang="en-US" dirty="0" err="1" smtClean="0">
+                <a:ln w="18415" cmpd="sng">
+                  <a:noFill/>
+                  <a:prstDash val="solid"/>
+                </a:ln>
+                <a:solidFill>
+                  <a:srgbClr val="FFFFFF"/>
+                </a:solidFill>
+              </a:rPr>
+              <a:t>GetLength</a:t>
+            </a:r>
+            <a:r>
+              <a:rPr lang="en-US" smtClean="0">
+                <a:ln w="18415" cmpd="sng">
+                  <a:noFill/>
+                  <a:prstDash val="solid"/>
+                </a:ln>
+                <a:solidFill>
+                  <a:srgbClr val="FFFFFF"/>
+                </a:solidFill>
+              </a:rPr>
+              <a:t>()</a:t>
+            </a:r>
+            <a:endParaRPr lang="bg-BG" dirty="0" smtClean="0">
+              <a:ln w="18415" cmpd="sng">
+                <a:noFill/>
+                <a:prstDash val="solid"/>
+              </a:ln>
+              <a:solidFill>
+                <a:srgbClr val="FFFFFF"/>
+              </a:solidFill>
+            </a:endParaRPr>
+          </a:p>
+          <a:p>
+            <a:pPr marL="1444625"/>
+            <a:r>
+              <a:rPr lang="bg-BG" dirty="0" smtClean="0">
+                <a:ln w="18415" cmpd="sng">
+                  <a:noFill/>
+                  <a:prstDash val="solid"/>
+                </a:ln>
+                <a:solidFill>
+                  <a:srgbClr val="FFFFFF"/>
+                </a:solidFill>
+              </a:rPr>
+              <a:t>Обхождане</a:t>
+            </a:r>
+            <a:endParaRPr lang="bg-BG" dirty="0" smtClean="0">
+              <a:ln w="18415" cmpd="sng">
+                <a:noFill/>
+                <a:prstDash val="solid"/>
+              </a:ln>
+              <a:solidFill>
+                <a:srgbClr val="FFFFFF"/>
+              </a:solidFill>
+            </a:endParaRPr>
+          </a:p>
+          <a:p>
+            <a:pPr marL="1444625"/>
+            <a:endParaRPr lang="bg-BG" b="1" dirty="0" smtClean="0">
+              <a:ln w="18415" cmpd="sng">
+                <a:noFill/>
+                <a:prstDash val="solid"/>
+              </a:ln>
+              <a:solidFill>
+                <a:srgbClr val="FFFFFF"/>
+              </a:solidFill>
+            </a:endParaRPr>
+          </a:p>
+          <a:p>
+            <a:endParaRPr lang="bg-BG" dirty="0" smtClean="0">
+              <a:ln w="18415" cmpd="sng">
+                <a:noFill/>
+                <a:prstDash val="solid"/>
+              </a:ln>
+              <a:solidFill>
+                <a:srgbClr val="FFFFFF"/>
+              </a:solidFill>
+            </a:endParaRPr>
+          </a:p>
+        </p:txBody>
+      </p:sp>
+    </p:spTree>
+    <p:extLst>
+      <p:ext uri="{BB962C8B-B14F-4D97-AF65-F5344CB8AC3E}">
+        <p14:creationId xmlns:p14="http://schemas.microsoft.com/office/powerpoint/2010/main" val="2633684672"/>
+      </p:ext>
+    </p:extLst>
+  </p:cSld>
+  <p:clrMapOvr>
+    <a:masterClrMapping/>
+  </p:clrMapOvr>
+  <p:timing>
+    <p:tnLst>
+      <p:par>
+        <p:cTn id="1" dur="indefinite" restart="never" nodeType="tmRoot"/>
+      </p:par>
+    </p:tnLst>
+  </p:timing>
+</p:sld>
+</file>
+
+<file path=ppt/slides/slide11.xml><?xml version="1.0" encoding="utf-8"?>
+<p:sld xmlns:a="http://schemas.openxmlformats.org/drawingml/2006/main" xmlns:r="http://schemas.openxmlformats.org/officeDocument/2006/relationships" xmlns:p="http://schemas.openxmlformats.org/presentationml/2006/main">
+  <p:cSld>
+    <p:spTree>
+      <p:nvGrpSpPr>
+        <p:cNvPr id="1" name=""/>
+        <p:cNvGrpSpPr/>
+        <p:nvPr/>
+      </p:nvGrpSpPr>
+      <p:grpSpPr>
+        <a:xfrm>
+          <a:off x="0" y="0"/>
+          <a:ext cx="0" cy="0"/>
+          <a:chOff x="0" y="0"/>
+          <a:chExt cx="0" cy="0"/>
+        </a:xfrm>
+      </p:grpSpPr>
+      <p:sp>
+        <p:nvSpPr>
+          <p:cNvPr id="106498" name="Rectangle 2"/>
+          <p:cNvSpPr>
+            <a:spLocks noGrp="1" noChangeArrowheads="1"/>
+          </p:cNvSpPr>
+          <p:nvPr>
+            <p:ph type="title"/>
+          </p:nvPr>
+        </p:nvSpPr>
+        <p:spPr>
+          <a:xfrm>
+            <a:off x="395288" y="332929"/>
+            <a:ext cx="8229600" cy="1295871"/>
+          </a:xfrm>
+        </p:spPr>
+        <p:txBody>
+          <a:bodyPr/>
+          <a:lstStyle/>
+          <a:p>
+            <a:r>
+              <a:rPr lang="bg-BG" altLang="bg-BG" dirty="0" smtClean="0">
+                <a:solidFill>
+                  <a:schemeClr val="bg1"/>
+                </a:solidFill>
+              </a:rPr>
+              <a:t>Многомерни масиви</a:t>
+            </a:r>
+            <a:endParaRPr lang="bg-BG" altLang="bg-BG" dirty="0">
+              <a:solidFill>
+                <a:schemeClr val="bg1"/>
+              </a:solidFill>
+            </a:endParaRPr>
+          </a:p>
+        </p:txBody>
+      </p:sp>
+      <p:sp>
+        <p:nvSpPr>
+          <p:cNvPr id="2" name="Правоъгълник 1"/>
+          <p:cNvSpPr/>
+          <p:nvPr/>
+        </p:nvSpPr>
+        <p:spPr>
+          <a:xfrm>
+            <a:off x="3680302" y="3140968"/>
+            <a:ext cx="2188741" cy="1015663"/>
+          </a:xfrm>
+          <a:prstGeom prst="rect">
+            <a:avLst/>
+          </a:prstGeom>
+          <a:noFill/>
+        </p:spPr>
+        <p:txBody>
+          <a:bodyPr wrap="none" lIns="91440" tIns="45720" rIns="91440" bIns="45720">
+            <a:spAutoFit/>
+          </a:bodyPr>
+          <a:lstStyle/>
+          <a:p>
+            <a:pPr algn="ctr"/>
+            <a:r>
+              <a:rPr lang="bg-BG" sz="6000" b="1" cap="none" spc="0" dirty="0" err="1" smtClean="0">
+                <a:ln w="900" cmpd="sng">
+                  <a:solidFill>
+                    <a:schemeClr val="accent1">
+                      <a:satMod val="190000"/>
+                      <a:alpha val="55000"/>
+                    </a:schemeClr>
+                  </a:solidFill>
+                  <a:prstDash val="solid"/>
+                </a:ln>
+                <a:solidFill>
+                  <a:schemeClr val="accent1">
+                    <a:satMod val="200000"/>
+                    <a:tint val="3000"/>
+                  </a:schemeClr>
+                </a:solidFill>
+                <a:effectLst>
+                  <a:innerShdw blurRad="101600" dist="76200" dir="5400000">
+                    <a:schemeClr val="accent1">
+                      <a:satMod val="190000"/>
+                      <a:tint val="100000"/>
+                      <a:alpha val="74000"/>
+                    </a:schemeClr>
+                  </a:innerShdw>
+                </a:effectLst>
+              </a:rPr>
+              <a:t>Демо</a:t>
+            </a:r>
+            <a:endParaRPr lang="bg-BG" sz="6000" b="1" cap="none" spc="0" dirty="0">
+              <a:ln w="900" cmpd="sng">
+                <a:solidFill>
+                  <a:schemeClr val="accent1">
+                    <a:satMod val="190000"/>
+                    <a:alpha val="55000"/>
+                  </a:schemeClr>
+                </a:solidFill>
+                <a:prstDash val="solid"/>
+              </a:ln>
+              <a:solidFill>
+                <a:schemeClr val="accent1">
+                  <a:satMod val="200000"/>
+                  <a:tint val="3000"/>
+                </a:schemeClr>
+              </a:solidFill>
+              <a:effectLst>
+                <a:innerShdw blurRad="101600" dist="76200" dir="5400000">
+                  <a:schemeClr val="accent1">
+                    <a:satMod val="190000"/>
+                    <a:tint val="100000"/>
+                    <a:alpha val="74000"/>
+                  </a:schemeClr>
+                </a:innerShdw>
+              </a:effectLst>
+            </a:endParaRPr>
+          </a:p>
+        </p:txBody>
+      </p:sp>
+    </p:spTree>
+    <p:extLst>
+      <p:ext uri="{BB962C8B-B14F-4D97-AF65-F5344CB8AC3E}">
+        <p14:creationId xmlns:p14="http://schemas.microsoft.com/office/powerpoint/2010/main" val="1737525196"/>
+      </p:ext>
+    </p:extLst>
+  </p:cSld>
+  <p:clrMapOvr>
+    <a:masterClrMapping/>
+  </p:clrMapOvr>
+  <p:timing>
+    <p:tnLst>
+      <p:par>
+        <p:cTn id="1" dur="indefinite" restart="never" nodeType="tmRoot"/>
+      </p:par>
+    </p:tnLst>
+  </p:timing>
+</p:sld>
+</file>
+
+<file path=ppt/slides/slide12.xml><?xml version="1.0" encoding="utf-8"?>
+<p:sld xmlns:a="http://schemas.openxmlformats.org/drawingml/2006/main" xmlns:r="http://schemas.openxmlformats.org/officeDocument/2006/relationships" xmlns:p="http://schemas.openxmlformats.org/presentationml/2006/main">
+  <p:cSld>
+    <p:spTree>
+      <p:nvGrpSpPr>
+        <p:cNvPr id="1" name=""/>
+        <p:cNvGrpSpPr/>
+        <p:nvPr/>
+      </p:nvGrpSpPr>
+      <p:grpSpPr>
+        <a:xfrm>
+          <a:off x="0" y="0"/>
+          <a:ext cx="0" cy="0"/>
+          <a:chOff x="0" y="0"/>
+          <a:chExt cx="0" cy="0"/>
+        </a:xfrm>
+      </p:grpSpPr>
+      <p:sp>
+        <p:nvSpPr>
+          <p:cNvPr id="2" name="Title 1"/>
+          <p:cNvSpPr>
+            <a:spLocks noGrp="1"/>
+          </p:cNvSpPr>
+          <p:nvPr>
+            <p:ph type="title"/>
+          </p:nvPr>
+        </p:nvSpPr>
+        <p:spPr/>
+        <p:txBody>
+          <a:bodyPr/>
+          <a:lstStyle/>
+          <a:p>
+            <a:r>
+              <a:rPr lang="bg-BG" dirty="0" smtClean="0">
+                <a:solidFill>
+                  <a:schemeClr val="bg1"/>
+                </a:solidFill>
+              </a:rPr>
+              <a:t>Масиви от масиви</a:t>
+            </a:r>
+            <a:endParaRPr lang="en-US" dirty="0">
+              <a:ln w="18415" cmpd="sng">
+                <a:solidFill>
+                  <a:srgbClr val="FFFFFF"/>
+                </a:solidFill>
+                <a:prstDash val="solid"/>
+              </a:ln>
+              <a:solidFill>
+                <a:srgbClr val="FFFFFF"/>
+              </a:solidFill>
+            </a:endParaRPr>
+          </a:p>
+        </p:txBody>
+      </p:sp>
+      <p:sp>
+        <p:nvSpPr>
+          <p:cNvPr id="6" name="Content Placeholder 2"/>
+          <p:cNvSpPr>
+            <a:spLocks noGrp="1"/>
+          </p:cNvSpPr>
+          <p:nvPr>
+            <p:ph idx="1"/>
+          </p:nvPr>
+        </p:nvSpPr>
+        <p:spPr>
+          <a:xfrm>
+            <a:off x="611560" y="1628800"/>
+            <a:ext cx="7632848" cy="2736304"/>
+          </a:xfrm>
+        </p:spPr>
+        <p:txBody>
+          <a:bodyPr/>
+          <a:lstStyle/>
+          <a:p>
+            <a:pPr marL="1444625"/>
+            <a:r>
+              <a:rPr lang="bg-BG" dirty="0" smtClean="0">
+                <a:ln w="18415" cmpd="sng">
+                  <a:noFill/>
+                  <a:prstDash val="solid"/>
+                </a:ln>
+                <a:solidFill>
+                  <a:srgbClr val="FFFFFF"/>
+                </a:solidFill>
+              </a:rPr>
+              <a:t>Деклариране</a:t>
+            </a:r>
+          </a:p>
+          <a:p>
+            <a:pPr marL="1444625"/>
+            <a:r>
+              <a:rPr lang="bg-BG" dirty="0" smtClean="0">
+                <a:ln w="18415" cmpd="sng">
+                  <a:noFill/>
+                  <a:prstDash val="solid"/>
+                </a:ln>
+                <a:solidFill>
+                  <a:srgbClr val="FFFFFF"/>
+                </a:solidFill>
+              </a:rPr>
+              <a:t>Инициализация</a:t>
+            </a:r>
+          </a:p>
+          <a:p>
+            <a:pPr marL="1444625"/>
+            <a:r>
+              <a:rPr lang="bg-BG" dirty="0" smtClean="0">
+                <a:ln w="18415" cmpd="sng">
+                  <a:noFill/>
+                  <a:prstDash val="solid"/>
+                </a:ln>
+                <a:solidFill>
+                  <a:srgbClr val="FFFFFF"/>
+                </a:solidFill>
+              </a:rPr>
+              <a:t>Достъп до елементите</a:t>
+            </a:r>
+          </a:p>
+          <a:p>
+            <a:pPr marL="1444625"/>
+            <a:endParaRPr lang="bg-BG" b="1" dirty="0" smtClean="0">
+              <a:ln w="18415" cmpd="sng">
+                <a:noFill/>
+                <a:prstDash val="solid"/>
+              </a:ln>
+              <a:solidFill>
+                <a:srgbClr val="FFFFFF"/>
+              </a:solidFill>
+            </a:endParaRPr>
+          </a:p>
+          <a:p>
+            <a:endParaRPr lang="bg-BG" dirty="0" smtClean="0">
+              <a:ln w="18415" cmpd="sng">
+                <a:noFill/>
+                <a:prstDash val="solid"/>
+              </a:ln>
+              <a:solidFill>
+                <a:srgbClr val="FFFFFF"/>
+              </a:solidFill>
+            </a:endParaRPr>
+          </a:p>
+        </p:txBody>
+      </p:sp>
+    </p:spTree>
+    <p:extLst>
+      <p:ext uri="{BB962C8B-B14F-4D97-AF65-F5344CB8AC3E}">
+        <p14:creationId xmlns:p14="http://schemas.microsoft.com/office/powerpoint/2010/main" val="2159837779"/>
+      </p:ext>
+    </p:extLst>
+  </p:cSld>
+  <p:clrMapOvr>
+    <a:masterClrMapping/>
+  </p:clrMapOvr>
+  <p:timing>
+    <p:tnLst>
+      <p:par>
+        <p:cTn id="1" dur="indefinite" restart="never" nodeType="tmRoot"/>
+      </p:par>
+    </p:tnLst>
+  </p:timing>
+</p:sld>
+</file>
+
+<file path=ppt/slides/slide13.xml><?xml version="1.0" encoding="utf-8"?>
+<p:sld xmlns:a="http://schemas.openxmlformats.org/drawingml/2006/main" xmlns:r="http://schemas.openxmlformats.org/officeDocument/2006/relationships" xmlns:p="http://schemas.openxmlformats.org/presentationml/2006/main">
+  <p:cSld>
+    <p:spTree>
+      <p:nvGrpSpPr>
+        <p:cNvPr id="1" name=""/>
+        <p:cNvGrpSpPr/>
+        <p:nvPr/>
+      </p:nvGrpSpPr>
+      <p:grpSpPr>
+        <a:xfrm>
+          <a:off x="0" y="0"/>
+          <a:ext cx="0" cy="0"/>
+          <a:chOff x="0" y="0"/>
+          <a:chExt cx="0" cy="0"/>
+        </a:xfrm>
+      </p:grpSpPr>
+      <p:sp>
+        <p:nvSpPr>
+          <p:cNvPr id="106498" name="Rectangle 2"/>
+          <p:cNvSpPr>
+            <a:spLocks noGrp="1" noChangeArrowheads="1"/>
+          </p:cNvSpPr>
+          <p:nvPr>
+            <p:ph type="title"/>
+          </p:nvPr>
+        </p:nvSpPr>
+        <p:spPr>
+          <a:xfrm>
+            <a:off x="395288" y="188913"/>
+            <a:ext cx="8229600" cy="981075"/>
+          </a:xfrm>
+        </p:spPr>
+        <p:txBody>
+          <a:bodyPr/>
+          <a:lstStyle/>
+          <a:p>
+            <a:r>
+              <a:rPr lang="bg-BG" altLang="bg-BG" dirty="0" smtClean="0">
+                <a:solidFill>
+                  <a:schemeClr val="bg1"/>
+                </a:solidFill>
+              </a:rPr>
+              <a:t>Въпроси?</a:t>
+            </a:r>
+            <a:endParaRPr lang="bg-BG" altLang="bg-BG" dirty="0">
+              <a:solidFill>
+                <a:schemeClr val="bg1"/>
+              </a:solidFill>
+            </a:endParaRPr>
+          </a:p>
+        </p:txBody>
+      </p:sp>
+      <p:sp>
+        <p:nvSpPr>
+          <p:cNvPr id="2" name="Правоъгълник 1"/>
+          <p:cNvSpPr/>
+          <p:nvPr/>
+        </p:nvSpPr>
+        <p:spPr>
+          <a:xfrm>
+            <a:off x="3558639" y="1700808"/>
+            <a:ext cx="2432077" cy="4508927"/>
+          </a:xfrm>
+          <a:prstGeom prst="rect">
+            <a:avLst/>
+          </a:prstGeom>
+          <a:noFill/>
+        </p:spPr>
+        <p:txBody>
+          <a:bodyPr wrap="none" lIns="91440" tIns="45720" rIns="91440" bIns="45720">
+            <a:spAutoFit/>
+          </a:bodyPr>
+          <a:lstStyle/>
+          <a:p>
+            <a:pPr algn="ctr"/>
+            <a:r>
+              <a:rPr lang="bg-BG" sz="28700" b="1" cap="none" spc="0" dirty="0" smtClean="0">
+                <a:ln w="900" cmpd="sng">
+                  <a:solidFill>
+                    <a:schemeClr val="accent1">
+                      <a:satMod val="190000"/>
+                      <a:alpha val="55000"/>
+                    </a:schemeClr>
+                  </a:solidFill>
+                  <a:prstDash val="solid"/>
+                </a:ln>
+                <a:solidFill>
+                  <a:schemeClr val="accent1">
+                    <a:satMod val="200000"/>
+                    <a:tint val="3000"/>
+                  </a:schemeClr>
+                </a:solidFill>
+                <a:effectLst>
+                  <a:innerShdw blurRad="101600" dist="76200" dir="5400000">
+                    <a:schemeClr val="accent1">
+                      <a:satMod val="190000"/>
+                      <a:tint val="100000"/>
+                      <a:alpha val="74000"/>
+                    </a:schemeClr>
+                  </a:innerShdw>
+                </a:effectLst>
+              </a:rPr>
+              <a:t>?</a:t>
+            </a:r>
+            <a:endParaRPr lang="bg-BG" sz="6000" b="1" cap="none" spc="0" dirty="0">
+              <a:ln w="900" cmpd="sng">
+                <a:solidFill>
+                  <a:schemeClr val="accent1">
+                    <a:satMod val="190000"/>
+                    <a:alpha val="55000"/>
+                  </a:schemeClr>
+                </a:solidFill>
+                <a:prstDash val="solid"/>
+              </a:ln>
+              <a:solidFill>
+                <a:schemeClr val="accent1">
+                  <a:satMod val="200000"/>
+                  <a:tint val="3000"/>
+                </a:schemeClr>
+              </a:solidFill>
+              <a:effectLst>
+                <a:innerShdw blurRad="101600" dist="76200" dir="5400000">
+                  <a:schemeClr val="accent1">
+                    <a:satMod val="190000"/>
+                    <a:tint val="100000"/>
+                    <a:alpha val="74000"/>
+                  </a:schemeClr>
+                </a:innerShdw>
+              </a:effectLst>
+            </a:endParaRPr>
+          </a:p>
+        </p:txBody>
+      </p:sp>
+    </p:spTree>
+    <p:extLst>
+      <p:ext uri="{BB962C8B-B14F-4D97-AF65-F5344CB8AC3E}">
+        <p14:creationId xmlns:p14="http://schemas.microsoft.com/office/powerpoint/2010/main" val="1054652420"/>
+      </p:ext>
+    </p:extLst>
+  </p:cSld>
+  <p:clrMapOvr>
+    <a:masterClrMapping/>
+  </p:clrMapOvr>
+  <p:timing>
+    <p:tnLst>
+      <p:par>
+        <p:cTn id="1" dur="indefinite" restart="never" nodeType="tmRoot"/>
+      </p:par>
+    </p:tnLst>
+  </p:timing>
+</p:sld>
+</file>
+
+<file path=ppt/slides/slide14.xml><?xml version="1.0" encoding="utf-8"?>
+<p:sld xmlns:a="http://schemas.openxmlformats.org/drawingml/2006/main" xmlns:r="http://schemas.openxmlformats.org/officeDocument/2006/relationships" xmlns:p="http://schemas.openxmlformats.org/presentationml/2006/main">
+  <p:cSld>
+    <p:spTree>
+      <p:nvGrpSpPr>
+        <p:cNvPr id="1" name=""/>
+        <p:cNvGrpSpPr/>
+        <p:nvPr/>
+      </p:nvGrpSpPr>
+      <p:grpSpPr>
+        <a:xfrm>
+          <a:off x="0" y="0"/>
+          <a:ext cx="0" cy="0"/>
+          <a:chOff x="0" y="0"/>
+          <a:chExt cx="0" cy="0"/>
+        </a:xfrm>
+      </p:grpSpPr>
+      <p:sp>
+        <p:nvSpPr>
           <p:cNvPr id="2" name="Правоъгълник 1"/>
           <p:cNvSpPr/>
           <p:nvPr/>
@@ -7000,117 +7707,769 @@
       </p:grpSpPr>
       <p:sp>
         <p:nvSpPr>
-          <p:cNvPr id="106498" name="Rectangle 2"/>
+          <p:cNvPr id="2" name="Title 1"/>
           <p:cNvSpPr>
-            <a:spLocks noGrp="1" noChangeArrowheads="1"/>
+            <a:spLocks noGrp="1"/>
           </p:cNvSpPr>
           <p:nvPr>
             <p:ph type="title"/>
           </p:nvPr>
         </p:nvSpPr>
+        <p:spPr/>
+        <p:txBody>
+          <a:bodyPr/>
+          <a:lstStyle/>
+          <a:p>
+            <a:r>
+              <a:rPr lang="bg-BG" altLang="bg-BG" dirty="0">
+                <a:solidFill>
+                  <a:schemeClr val="bg1"/>
+                </a:solidFill>
+              </a:rPr>
+              <a:t>Многомерни масиви</a:t>
+            </a:r>
+            <a:endParaRPr lang="en-US" dirty="0">
+              <a:ln w="18415" cmpd="sng">
+                <a:solidFill>
+                  <a:srgbClr val="FFFFFF"/>
+                </a:solidFill>
+                <a:prstDash val="solid"/>
+              </a:ln>
+              <a:solidFill>
+                <a:srgbClr val="FFFFFF"/>
+              </a:solidFill>
+            </a:endParaRPr>
+          </a:p>
+        </p:txBody>
+      </p:sp>
+      <p:sp>
+        <p:nvSpPr>
+          <p:cNvPr id="4" name="Text Placeholder 3"/>
+          <p:cNvSpPr txBox="1">
+            <a:spLocks/>
+          </p:cNvSpPr>
+          <p:nvPr/>
+        </p:nvSpPr>
         <p:spPr>
           <a:xfrm>
-            <a:off x="395288" y="188913"/>
-            <a:ext cx="8229600" cy="981075"/>
+            <a:off x="1691680" y="2276871"/>
+            <a:ext cx="6408712" cy="584775"/>
+          </a:xfrm>
+          <a:prstGeom prst="rect">
+            <a:avLst/>
+          </a:prstGeom>
+          <a:solidFill>
+            <a:srgbClr val="1F497D">
+              <a:lumMod val="60000"/>
+              <a:lumOff val="40000"/>
+              <a:alpha val="15000"/>
+            </a:srgbClr>
+          </a:solidFill>
+          <a:ln w="12700">
+            <a:noFill/>
+          </a:ln>
+        </p:spPr>
+        <p:txBody>
+          <a:bodyPr wrap="square">
+            <a:spAutoFit/>
+          </a:bodyPr>
+          <a:lstStyle>
+            <a:lvl1pPr marL="0" indent="0" algn="l" defTabSz="685800" rtl="0" eaLnBrk="1" latinLnBrk="0" hangingPunct="1">
+              <a:spcBef>
+                <a:spcPts val="0"/>
+              </a:spcBef>
+              <a:buFont typeface="Arial" pitchFamily="34" charset="0"/>
+              <a:buNone/>
+              <a:defRPr lang="en-US" sz="2400" kern="1200" smtClean="0">
+                <a:solidFill>
+                  <a:schemeClr val="bg2">
+                    <a:lumMod val="40000"/>
+                    <a:lumOff val="60000"/>
+                  </a:schemeClr>
+                </a:solidFill>
+                <a:latin typeface="Consolas" pitchFamily="49" charset="0"/>
+                <a:ea typeface="+mn-ea"/>
+                <a:cs typeface="Consolas" pitchFamily="49" charset="0"/>
+              </a:defRPr>
+            </a:lvl1pPr>
+            <a:lvl2pPr marL="557213" indent="-214313" algn="l" defTabSz="685800" rtl="0" eaLnBrk="1" latinLnBrk="0" hangingPunct="1">
+              <a:spcBef>
+                <a:spcPct val="20000"/>
+              </a:spcBef>
+              <a:buFont typeface="Arial" pitchFamily="34" charset="0"/>
+              <a:buChar char="–"/>
+              <a:defRPr sz="2100" kern="1200">
+                <a:solidFill>
+                  <a:schemeClr val="tx1"/>
+                </a:solidFill>
+                <a:latin typeface="+mn-lt"/>
+                <a:ea typeface="+mn-ea"/>
+                <a:cs typeface="+mn-cs"/>
+              </a:defRPr>
+            </a:lvl2pPr>
+            <a:lvl3pPr marL="857250" indent="-171450" algn="l" defTabSz="685800" rtl="0" eaLnBrk="1" latinLnBrk="0" hangingPunct="1">
+              <a:spcBef>
+                <a:spcPct val="20000"/>
+              </a:spcBef>
+              <a:buFont typeface="Arial" pitchFamily="34" charset="0"/>
+              <a:buChar char="•"/>
+              <a:defRPr sz="1800" kern="1200">
+                <a:solidFill>
+                  <a:schemeClr val="tx1"/>
+                </a:solidFill>
+                <a:latin typeface="+mn-lt"/>
+                <a:ea typeface="+mn-ea"/>
+                <a:cs typeface="+mn-cs"/>
+              </a:defRPr>
+            </a:lvl3pPr>
+            <a:lvl4pPr marL="1200150" indent="-171450" algn="l" defTabSz="685800" rtl="0" eaLnBrk="1" latinLnBrk="0" hangingPunct="1">
+              <a:spcBef>
+                <a:spcPct val="20000"/>
+              </a:spcBef>
+              <a:buFont typeface="Arial" pitchFamily="34" charset="0"/>
+              <a:buChar char="–"/>
+              <a:defRPr sz="1500" kern="1200">
+                <a:solidFill>
+                  <a:schemeClr val="tx1"/>
+                </a:solidFill>
+                <a:latin typeface="+mn-lt"/>
+                <a:ea typeface="+mn-ea"/>
+                <a:cs typeface="+mn-cs"/>
+              </a:defRPr>
+            </a:lvl4pPr>
+            <a:lvl5pPr marL="1543050" indent="-171450" algn="l" defTabSz="685800" rtl="0" eaLnBrk="1" latinLnBrk="0" hangingPunct="1">
+              <a:spcBef>
+                <a:spcPct val="20000"/>
+              </a:spcBef>
+              <a:buFont typeface="Arial" pitchFamily="34" charset="0"/>
+              <a:buChar char="»"/>
+              <a:defRPr sz="1500" kern="1200">
+                <a:solidFill>
+                  <a:schemeClr val="tx1"/>
+                </a:solidFill>
+                <a:latin typeface="+mn-lt"/>
+                <a:ea typeface="+mn-ea"/>
+                <a:cs typeface="+mn-cs"/>
+              </a:defRPr>
+            </a:lvl5pPr>
+            <a:lvl6pPr marL="1885950" indent="-171450" algn="l" defTabSz="685800" rtl="0" eaLnBrk="1" latinLnBrk="0" hangingPunct="1">
+              <a:spcBef>
+                <a:spcPct val="20000"/>
+              </a:spcBef>
+              <a:buFont typeface="Arial" pitchFamily="34" charset="0"/>
+              <a:buChar char="•"/>
+              <a:defRPr sz="1500" kern="1200">
+                <a:solidFill>
+                  <a:schemeClr val="tx1"/>
+                </a:solidFill>
+                <a:latin typeface="+mn-lt"/>
+                <a:ea typeface="+mn-ea"/>
+                <a:cs typeface="+mn-cs"/>
+              </a:defRPr>
+            </a:lvl6pPr>
+            <a:lvl7pPr marL="2228850" indent="-171450" algn="l" defTabSz="685800" rtl="0" eaLnBrk="1" latinLnBrk="0" hangingPunct="1">
+              <a:spcBef>
+                <a:spcPct val="20000"/>
+              </a:spcBef>
+              <a:buFont typeface="Arial" pitchFamily="34" charset="0"/>
+              <a:buChar char="•"/>
+              <a:defRPr sz="1500" kern="1200">
+                <a:solidFill>
+                  <a:schemeClr val="tx1"/>
+                </a:solidFill>
+                <a:latin typeface="+mn-lt"/>
+                <a:ea typeface="+mn-ea"/>
+                <a:cs typeface="+mn-cs"/>
+              </a:defRPr>
+            </a:lvl7pPr>
+            <a:lvl8pPr marL="2571750" indent="-171450" algn="l" defTabSz="685800" rtl="0" eaLnBrk="1" latinLnBrk="0" hangingPunct="1">
+              <a:spcBef>
+                <a:spcPct val="20000"/>
+              </a:spcBef>
+              <a:buFont typeface="Arial" pitchFamily="34" charset="0"/>
+              <a:buChar char="•"/>
+              <a:defRPr sz="1500" kern="1200">
+                <a:solidFill>
+                  <a:schemeClr val="tx1"/>
+                </a:solidFill>
+                <a:latin typeface="+mn-lt"/>
+                <a:ea typeface="+mn-ea"/>
+                <a:cs typeface="+mn-cs"/>
+              </a:defRPr>
+            </a:lvl8pPr>
+            <a:lvl9pPr marL="2914650" indent="-171450" algn="l" defTabSz="685800" rtl="0" eaLnBrk="1" latinLnBrk="0" hangingPunct="1">
+              <a:spcBef>
+                <a:spcPct val="20000"/>
+              </a:spcBef>
+              <a:buFont typeface="Arial" pitchFamily="34" charset="0"/>
+              <a:buChar char="•"/>
+              <a:defRPr sz="1500" kern="1200">
+                <a:solidFill>
+                  <a:schemeClr val="tx1"/>
+                </a:solidFill>
+                <a:latin typeface="+mn-lt"/>
+                <a:ea typeface="+mn-ea"/>
+                <a:cs typeface="+mn-cs"/>
+              </a:defRPr>
+            </a:lvl9pPr>
+          </a:lstStyle>
+          <a:p>
+            <a:pPr lvl="0" fontAlgn="auto">
+              <a:spcAft>
+                <a:spcPts val="0"/>
+              </a:spcAft>
+              <a:defRPr/>
+            </a:pPr>
+            <a:r>
+              <a:rPr lang="en-US" sz="3200" i="1" dirty="0" err="1">
+                <a:solidFill>
+                  <a:srgbClr val="11A7C5"/>
+                </a:solidFill>
+              </a:rPr>
+              <a:t>int</a:t>
+            </a:r>
+            <a:r>
+              <a:rPr lang="en-US" sz="3200" i="1" dirty="0">
+                <a:solidFill>
+                  <a:srgbClr val="11A7C5"/>
+                </a:solidFill>
+              </a:rPr>
+              <a:t>[,] </a:t>
+            </a:r>
+            <a:r>
+              <a:rPr lang="en-US" sz="3200" i="1" dirty="0" err="1">
+                <a:solidFill>
+                  <a:srgbClr val="11A7C5"/>
+                </a:solidFill>
+              </a:rPr>
+              <a:t>twoDimentionalArray</a:t>
+            </a:r>
+            <a:r>
+              <a:rPr lang="en-US" sz="3200" i="1" dirty="0">
+                <a:solidFill>
+                  <a:srgbClr val="11A7C5"/>
+                </a:solidFill>
+              </a:rPr>
+              <a:t>;</a:t>
+            </a:r>
+            <a:endParaRPr lang="bg-BG" sz="3200" i="1" dirty="0" smtClean="0">
+              <a:solidFill>
+                <a:srgbClr val="11A7C5"/>
+              </a:solidFill>
+            </a:endParaRPr>
+          </a:p>
+        </p:txBody>
+      </p:sp>
+      <p:sp>
+        <p:nvSpPr>
+          <p:cNvPr id="6" name="Content Placeholder 2"/>
+          <p:cNvSpPr>
+            <a:spLocks noGrp="1"/>
+          </p:cNvSpPr>
+          <p:nvPr>
+            <p:ph idx="1"/>
+          </p:nvPr>
+        </p:nvSpPr>
+        <p:spPr>
+          <a:xfrm>
+            <a:off x="611560" y="1628801"/>
+            <a:ext cx="7632848" cy="576064"/>
           </a:xfrm>
         </p:spPr>
         <p:txBody>
           <a:bodyPr/>
           <a:lstStyle/>
           <a:p>
-            <a:r>
-              <a:rPr lang="bg-BG" altLang="bg-BG" dirty="0" smtClean="0">
-                <a:solidFill>
-                  <a:schemeClr val="bg1"/>
-                </a:solidFill>
-              </a:rPr>
-              <a:t>Въпроси?</a:t>
-            </a:r>
-            <a:endParaRPr lang="bg-BG" altLang="bg-BG" dirty="0">
+            <a:pPr marL="1444625"/>
+            <a:r>
+              <a:rPr lang="bg-BG" dirty="0" smtClean="0">
+                <a:ln w="18415" cmpd="sng">
+                  <a:noFill/>
+                  <a:prstDash val="solid"/>
+                </a:ln>
+                <a:solidFill>
+                  <a:srgbClr val="FFFFFF"/>
+                </a:solidFill>
+              </a:rPr>
+              <a:t>Двумерен масив</a:t>
+            </a:r>
+            <a:endParaRPr lang="bg-BG" b="1" dirty="0" smtClean="0">
+              <a:ln w="18415" cmpd="sng">
+                <a:noFill/>
+                <a:prstDash val="solid"/>
+              </a:ln>
               <a:solidFill>
-                <a:schemeClr val="bg1"/>
+                <a:srgbClr val="FFFFFF"/>
               </a:solidFill>
             </a:endParaRPr>
           </a:p>
-        </p:txBody>
-      </p:sp>
-      <p:sp>
-        <p:nvSpPr>
-          <p:cNvPr id="2" name="Правоъгълник 1"/>
-          <p:cNvSpPr/>
+          <a:p>
+            <a:endParaRPr lang="bg-BG" dirty="0" smtClean="0">
+              <a:ln w="18415" cmpd="sng">
+                <a:noFill/>
+                <a:prstDash val="solid"/>
+              </a:ln>
+              <a:solidFill>
+                <a:srgbClr val="FFFFFF"/>
+              </a:solidFill>
+            </a:endParaRPr>
+          </a:p>
+        </p:txBody>
+      </p:sp>
+      <p:sp>
+        <p:nvSpPr>
+          <p:cNvPr id="5" name="Text Placeholder 3"/>
+          <p:cNvSpPr txBox="1">
+            <a:spLocks/>
+          </p:cNvSpPr>
           <p:nvPr/>
         </p:nvSpPr>
         <p:spPr>
           <a:xfrm>
-            <a:off x="3558639" y="1700808"/>
-            <a:ext cx="2432077" cy="4508927"/>
+            <a:off x="1691680" y="3667548"/>
+            <a:ext cx="7344816" cy="584775"/>
+          </a:xfrm>
+          <a:prstGeom prst="rect">
+            <a:avLst/>
+          </a:prstGeom>
+          <a:solidFill>
+            <a:srgbClr val="1F497D">
+              <a:lumMod val="60000"/>
+              <a:lumOff val="40000"/>
+              <a:alpha val="15000"/>
+            </a:srgbClr>
+          </a:solidFill>
+          <a:ln w="12700">
+            <a:noFill/>
+          </a:ln>
+        </p:spPr>
+        <p:txBody>
+          <a:bodyPr wrap="square">
+            <a:spAutoFit/>
+          </a:bodyPr>
+          <a:lstStyle>
+            <a:lvl1pPr marL="0" indent="0" algn="l" defTabSz="685800" rtl="0" eaLnBrk="1" latinLnBrk="0" hangingPunct="1">
+              <a:spcBef>
+                <a:spcPts val="0"/>
+              </a:spcBef>
+              <a:buFont typeface="Arial" pitchFamily="34" charset="0"/>
+              <a:buNone/>
+              <a:defRPr lang="en-US" sz="2400" kern="1200" smtClean="0">
+                <a:solidFill>
+                  <a:schemeClr val="bg2">
+                    <a:lumMod val="40000"/>
+                    <a:lumOff val="60000"/>
+                  </a:schemeClr>
+                </a:solidFill>
+                <a:latin typeface="Consolas" pitchFamily="49" charset="0"/>
+                <a:ea typeface="+mn-ea"/>
+                <a:cs typeface="Consolas" pitchFamily="49" charset="0"/>
+              </a:defRPr>
+            </a:lvl1pPr>
+            <a:lvl2pPr marL="557213" indent="-214313" algn="l" defTabSz="685800" rtl="0" eaLnBrk="1" latinLnBrk="0" hangingPunct="1">
+              <a:spcBef>
+                <a:spcPct val="20000"/>
+              </a:spcBef>
+              <a:buFont typeface="Arial" pitchFamily="34" charset="0"/>
+              <a:buChar char="–"/>
+              <a:defRPr sz="2100" kern="1200">
+                <a:solidFill>
+                  <a:schemeClr val="tx1"/>
+                </a:solidFill>
+                <a:latin typeface="+mn-lt"/>
+                <a:ea typeface="+mn-ea"/>
+                <a:cs typeface="+mn-cs"/>
+              </a:defRPr>
+            </a:lvl2pPr>
+            <a:lvl3pPr marL="857250" indent="-171450" algn="l" defTabSz="685800" rtl="0" eaLnBrk="1" latinLnBrk="0" hangingPunct="1">
+              <a:spcBef>
+                <a:spcPct val="20000"/>
+              </a:spcBef>
+              <a:buFont typeface="Arial" pitchFamily="34" charset="0"/>
+              <a:buChar char="•"/>
+              <a:defRPr sz="1800" kern="1200">
+                <a:solidFill>
+                  <a:schemeClr val="tx1"/>
+                </a:solidFill>
+                <a:latin typeface="+mn-lt"/>
+                <a:ea typeface="+mn-ea"/>
+                <a:cs typeface="+mn-cs"/>
+              </a:defRPr>
+            </a:lvl3pPr>
+            <a:lvl4pPr marL="1200150" indent="-171450" algn="l" defTabSz="685800" rtl="0" eaLnBrk="1" latinLnBrk="0" hangingPunct="1">
+              <a:spcBef>
+                <a:spcPct val="20000"/>
+              </a:spcBef>
+              <a:buFont typeface="Arial" pitchFamily="34" charset="0"/>
+              <a:buChar char="–"/>
+              <a:defRPr sz="1500" kern="1200">
+                <a:solidFill>
+                  <a:schemeClr val="tx1"/>
+                </a:solidFill>
+                <a:latin typeface="+mn-lt"/>
+                <a:ea typeface="+mn-ea"/>
+                <a:cs typeface="+mn-cs"/>
+              </a:defRPr>
+            </a:lvl4pPr>
+            <a:lvl5pPr marL="1543050" indent="-171450" algn="l" defTabSz="685800" rtl="0" eaLnBrk="1" latinLnBrk="0" hangingPunct="1">
+              <a:spcBef>
+                <a:spcPct val="20000"/>
+              </a:spcBef>
+              <a:buFont typeface="Arial" pitchFamily="34" charset="0"/>
+              <a:buChar char="»"/>
+              <a:defRPr sz="1500" kern="1200">
+                <a:solidFill>
+                  <a:schemeClr val="tx1"/>
+                </a:solidFill>
+                <a:latin typeface="+mn-lt"/>
+                <a:ea typeface="+mn-ea"/>
+                <a:cs typeface="+mn-cs"/>
+              </a:defRPr>
+            </a:lvl5pPr>
+            <a:lvl6pPr marL="1885950" indent="-171450" algn="l" defTabSz="685800" rtl="0" eaLnBrk="1" latinLnBrk="0" hangingPunct="1">
+              <a:spcBef>
+                <a:spcPct val="20000"/>
+              </a:spcBef>
+              <a:buFont typeface="Arial" pitchFamily="34" charset="0"/>
+              <a:buChar char="•"/>
+              <a:defRPr sz="1500" kern="1200">
+                <a:solidFill>
+                  <a:schemeClr val="tx1"/>
+                </a:solidFill>
+                <a:latin typeface="+mn-lt"/>
+                <a:ea typeface="+mn-ea"/>
+                <a:cs typeface="+mn-cs"/>
+              </a:defRPr>
+            </a:lvl6pPr>
+            <a:lvl7pPr marL="2228850" indent="-171450" algn="l" defTabSz="685800" rtl="0" eaLnBrk="1" latinLnBrk="0" hangingPunct="1">
+              <a:spcBef>
+                <a:spcPct val="20000"/>
+              </a:spcBef>
+              <a:buFont typeface="Arial" pitchFamily="34" charset="0"/>
+              <a:buChar char="•"/>
+              <a:defRPr sz="1500" kern="1200">
+                <a:solidFill>
+                  <a:schemeClr val="tx1"/>
+                </a:solidFill>
+                <a:latin typeface="+mn-lt"/>
+                <a:ea typeface="+mn-ea"/>
+                <a:cs typeface="+mn-cs"/>
+              </a:defRPr>
+            </a:lvl7pPr>
+            <a:lvl8pPr marL="2571750" indent="-171450" algn="l" defTabSz="685800" rtl="0" eaLnBrk="1" latinLnBrk="0" hangingPunct="1">
+              <a:spcBef>
+                <a:spcPct val="20000"/>
+              </a:spcBef>
+              <a:buFont typeface="Arial" pitchFamily="34" charset="0"/>
+              <a:buChar char="•"/>
+              <a:defRPr sz="1500" kern="1200">
+                <a:solidFill>
+                  <a:schemeClr val="tx1"/>
+                </a:solidFill>
+                <a:latin typeface="+mn-lt"/>
+                <a:ea typeface="+mn-ea"/>
+                <a:cs typeface="+mn-cs"/>
+              </a:defRPr>
+            </a:lvl8pPr>
+            <a:lvl9pPr marL="2914650" indent="-171450" algn="l" defTabSz="685800" rtl="0" eaLnBrk="1" latinLnBrk="0" hangingPunct="1">
+              <a:spcBef>
+                <a:spcPct val="20000"/>
+              </a:spcBef>
+              <a:buFont typeface="Arial" pitchFamily="34" charset="0"/>
+              <a:buChar char="•"/>
+              <a:defRPr sz="1500" kern="1200">
+                <a:solidFill>
+                  <a:schemeClr val="tx1"/>
+                </a:solidFill>
+                <a:latin typeface="+mn-lt"/>
+                <a:ea typeface="+mn-ea"/>
+                <a:cs typeface="+mn-cs"/>
+              </a:defRPr>
+            </a:lvl9pPr>
+          </a:lstStyle>
+          <a:p>
+            <a:pPr lvl="0" fontAlgn="auto">
+              <a:spcAft>
+                <a:spcPts val="0"/>
+              </a:spcAft>
+              <a:defRPr/>
+            </a:pPr>
+            <a:r>
+              <a:rPr lang="en-US" sz="3200" i="1" dirty="0" err="1">
+                <a:solidFill>
+                  <a:srgbClr val="11A7C5"/>
+                </a:solidFill>
+              </a:rPr>
+              <a:t>int</a:t>
+            </a:r>
+            <a:r>
+              <a:rPr lang="en-US" sz="3200" i="1" dirty="0">
+                <a:solidFill>
+                  <a:srgbClr val="11A7C5"/>
+                </a:solidFill>
+              </a:rPr>
+              <a:t>[,,] </a:t>
+            </a:r>
+            <a:r>
+              <a:rPr lang="en-US" sz="3200" i="1" dirty="0" err="1">
+                <a:solidFill>
+                  <a:srgbClr val="11A7C5"/>
+                </a:solidFill>
+              </a:rPr>
+              <a:t>threeDimentionalArray</a:t>
+            </a:r>
+            <a:r>
+              <a:rPr lang="en-US" sz="3200" i="1" dirty="0">
+                <a:solidFill>
+                  <a:srgbClr val="11A7C5"/>
+                </a:solidFill>
+              </a:rPr>
+              <a:t>;</a:t>
+            </a:r>
+            <a:endParaRPr lang="bg-BG" sz="3200" b="1" i="1" dirty="0" smtClean="0">
+              <a:solidFill>
+                <a:srgbClr val="11A7C5"/>
+              </a:solidFill>
+            </a:endParaRPr>
+          </a:p>
+        </p:txBody>
+      </p:sp>
+      <p:sp>
+        <p:nvSpPr>
+          <p:cNvPr id="7" name="Content Placeholder 2"/>
+          <p:cNvSpPr txBox="1">
+            <a:spLocks/>
+          </p:cNvSpPr>
+          <p:nvPr/>
+        </p:nvSpPr>
+        <p:spPr bwMode="auto">
+          <a:xfrm>
+            <a:off x="539552" y="2964984"/>
+            <a:ext cx="7632848" cy="576063"/>
           </a:xfrm>
           <a:prstGeom prst="rect">
             <a:avLst/>
           </a:prstGeom>
           <a:noFill/>
+          <a:ln>
+            <a:noFill/>
+          </a:ln>
+          <a:effectLst/>
+          <a:extLst>
+            <a:ext uri="{909E8E84-426E-40DD-AFC4-6F175D3DCCD1}">
+              <a14:hiddenFill xmlns:a14="http://schemas.microsoft.com/office/drawing/2010/main">
+                <a:solidFill>
+                  <a:schemeClr val="accent1"/>
+                </a:solidFill>
+              </a14:hiddenFill>
+            </a:ext>
+            <a:ext uri="{91240B29-F687-4F45-9708-019B960494DF}">
+              <a14:hiddenLine xmlns:a14="http://schemas.microsoft.com/office/drawing/2010/main" w="9525">
+                <a:solidFill>
+                  <a:schemeClr val="tx1"/>
+                </a:solidFill>
+                <a:miter lim="800000"/>
+                <a:headEnd/>
+                <a:tailEnd/>
+              </a14:hiddenLine>
+            </a:ext>
+            <a:ext uri="{AF507438-7753-43E0-B8FC-AC1667EBCBE1}">
+              <a14:hiddenEffects xmlns:a14="http://schemas.microsoft.com/office/drawing/2010/main">
+                <a:effectLst>
+                  <a:outerShdw dist="35921" dir="2700000" algn="ctr" rotWithShape="0">
+                    <a:schemeClr val="bg2"/>
+                  </a:outerShdw>
+                </a:effectLst>
+              </a14:hiddenEffects>
+            </a:ext>
+          </a:extLst>
         </p:spPr>
         <p:txBody>
-          <a:bodyPr wrap="none" lIns="91440" tIns="45720" rIns="91440" bIns="45720">
-            <a:spAutoFit/>
+          <a:bodyPr vert="horz" wrap="square" lIns="91440" tIns="45720" rIns="91440" bIns="45720" numCol="1" anchor="t" anchorCtr="0" compatLnSpc="1">
+            <a:prstTxWarp prst="textNoShape">
+              <a:avLst/>
+            </a:prstTxWarp>
           </a:bodyPr>
-          <a:lstStyle/>
-          <a:p>
-            <a:pPr algn="ctr"/>
-            <a:r>
-              <a:rPr lang="bg-BG" sz="28700" b="1" cap="none" spc="0" dirty="0" smtClean="0">
-                <a:ln w="900" cmpd="sng">
-                  <a:solidFill>
-                    <a:schemeClr val="accent1">
-                      <a:satMod val="190000"/>
-                      <a:alpha val="55000"/>
-                    </a:schemeClr>
-                  </a:solidFill>
+          <a:lstStyle>
+            <a:lvl1pPr marL="342900" indent="-342900" algn="l" rtl="0" fontAlgn="base">
+              <a:spcBef>
+                <a:spcPct val="20000"/>
+              </a:spcBef>
+              <a:spcAft>
+                <a:spcPct val="0"/>
+              </a:spcAft>
+              <a:buChar char="•"/>
+              <a:defRPr sz="3200">
+                <a:solidFill>
+                  <a:schemeClr val="tx1"/>
+                </a:solidFill>
+                <a:latin typeface="+mn-lt"/>
+                <a:ea typeface="+mn-ea"/>
+                <a:cs typeface="+mn-cs"/>
+              </a:defRPr>
+            </a:lvl1pPr>
+            <a:lvl2pPr marL="742950" indent="-285750" algn="l" rtl="0" fontAlgn="base">
+              <a:spcBef>
+                <a:spcPct val="20000"/>
+              </a:spcBef>
+              <a:spcAft>
+                <a:spcPct val="0"/>
+              </a:spcAft>
+              <a:buChar char="–"/>
+              <a:defRPr sz="2800">
+                <a:solidFill>
+                  <a:schemeClr val="tx1"/>
+                </a:solidFill>
+                <a:latin typeface="+mn-lt"/>
+                <a:cs typeface="+mn-cs"/>
+              </a:defRPr>
+            </a:lvl2pPr>
+            <a:lvl3pPr marL="1143000" indent="-228600" algn="l" rtl="0" fontAlgn="base">
+              <a:spcBef>
+                <a:spcPct val="20000"/>
+              </a:spcBef>
+              <a:spcAft>
+                <a:spcPct val="0"/>
+              </a:spcAft>
+              <a:buChar char="•"/>
+              <a:defRPr sz="2400">
+                <a:solidFill>
+                  <a:schemeClr val="tx1"/>
+                </a:solidFill>
+                <a:latin typeface="+mn-lt"/>
+                <a:cs typeface="+mn-cs"/>
+              </a:defRPr>
+            </a:lvl3pPr>
+            <a:lvl4pPr marL="1600200" indent="-228600" algn="l" rtl="0" fontAlgn="base">
+              <a:spcBef>
+                <a:spcPct val="20000"/>
+              </a:spcBef>
+              <a:spcAft>
+                <a:spcPct val="0"/>
+              </a:spcAft>
+              <a:buChar char="–"/>
+              <a:defRPr sz="2000">
+                <a:solidFill>
+                  <a:schemeClr val="tx1"/>
+                </a:solidFill>
+                <a:latin typeface="+mn-lt"/>
+                <a:cs typeface="+mn-cs"/>
+              </a:defRPr>
+            </a:lvl4pPr>
+            <a:lvl5pPr marL="2057400" indent="-228600" algn="l" rtl="0" fontAlgn="base">
+              <a:spcBef>
+                <a:spcPct val="20000"/>
+              </a:spcBef>
+              <a:spcAft>
+                <a:spcPct val="0"/>
+              </a:spcAft>
+              <a:buChar char="»"/>
+              <a:defRPr sz="2000">
+                <a:solidFill>
+                  <a:schemeClr val="tx1"/>
+                </a:solidFill>
+                <a:latin typeface="+mn-lt"/>
+                <a:cs typeface="+mn-cs"/>
+              </a:defRPr>
+            </a:lvl5pPr>
+            <a:lvl6pPr marL="2514600" indent="-228600" algn="l" rtl="0" fontAlgn="base">
+              <a:spcBef>
+                <a:spcPct val="20000"/>
+              </a:spcBef>
+              <a:spcAft>
+                <a:spcPct val="0"/>
+              </a:spcAft>
+              <a:buChar char="»"/>
+              <a:defRPr sz="2000">
+                <a:solidFill>
+                  <a:schemeClr val="tx1"/>
+                </a:solidFill>
+                <a:latin typeface="+mn-lt"/>
+                <a:cs typeface="+mn-cs"/>
+              </a:defRPr>
+            </a:lvl6pPr>
+            <a:lvl7pPr marL="2971800" indent="-228600" algn="l" rtl="0" fontAlgn="base">
+              <a:spcBef>
+                <a:spcPct val="20000"/>
+              </a:spcBef>
+              <a:spcAft>
+                <a:spcPct val="0"/>
+              </a:spcAft>
+              <a:buChar char="»"/>
+              <a:defRPr sz="2000">
+                <a:solidFill>
+                  <a:schemeClr val="tx1"/>
+                </a:solidFill>
+                <a:latin typeface="+mn-lt"/>
+                <a:cs typeface="+mn-cs"/>
+              </a:defRPr>
+            </a:lvl7pPr>
+            <a:lvl8pPr marL="3429000" indent="-228600" algn="l" rtl="0" fontAlgn="base">
+              <a:spcBef>
+                <a:spcPct val="20000"/>
+              </a:spcBef>
+              <a:spcAft>
+                <a:spcPct val="0"/>
+              </a:spcAft>
+              <a:buChar char="»"/>
+              <a:defRPr sz="2000">
+                <a:solidFill>
+                  <a:schemeClr val="tx1"/>
+                </a:solidFill>
+                <a:latin typeface="+mn-lt"/>
+                <a:cs typeface="+mn-cs"/>
+              </a:defRPr>
+            </a:lvl8pPr>
+            <a:lvl9pPr marL="3886200" indent="-228600" algn="l" rtl="0" fontAlgn="base">
+              <a:spcBef>
+                <a:spcPct val="20000"/>
+              </a:spcBef>
+              <a:spcAft>
+                <a:spcPct val="0"/>
+              </a:spcAft>
+              <a:buChar char="»"/>
+              <a:defRPr sz="2000">
+                <a:solidFill>
+                  <a:schemeClr val="tx1"/>
+                </a:solidFill>
+                <a:latin typeface="+mn-lt"/>
+                <a:cs typeface="+mn-cs"/>
+              </a:defRPr>
+            </a:lvl9pPr>
+          </a:lstStyle>
+          <a:p>
+            <a:pPr marL="1444625"/>
+            <a:r>
+              <a:rPr lang="bg-BG" dirty="0" smtClean="0">
+                <a:ln w="18415" cmpd="sng">
+                  <a:noFill/>
                   <a:prstDash val="solid"/>
                 </a:ln>
                 <a:solidFill>
-                  <a:schemeClr val="accent1">
-                    <a:satMod val="200000"/>
-                    <a:tint val="3000"/>
-                  </a:schemeClr>
-                </a:solidFill>
-                <a:effectLst>
-                  <a:innerShdw blurRad="101600" dist="76200" dir="5400000">
-                    <a:schemeClr val="accent1">
-                      <a:satMod val="190000"/>
-                      <a:tint val="100000"/>
-                      <a:alpha val="74000"/>
-                    </a:schemeClr>
-                  </a:innerShdw>
-                </a:effectLst>
-              </a:rPr>
-              <a:t>?</a:t>
-            </a:r>
-            <a:endParaRPr lang="bg-BG" sz="6000" b="1" cap="none" spc="0" dirty="0">
-              <a:ln w="900" cmpd="sng">
-                <a:solidFill>
-                  <a:schemeClr val="accent1">
-                    <a:satMod val="190000"/>
-                    <a:alpha val="55000"/>
-                  </a:schemeClr>
-                </a:solidFill>
+                  <a:srgbClr val="FFFFFF"/>
+                </a:solidFill>
+              </a:rPr>
+              <a:t>Тримерен масив</a:t>
+            </a:r>
+            <a:endParaRPr lang="bg-BG" b="1" dirty="0" smtClean="0">
+              <a:ln w="18415" cmpd="sng">
+                <a:noFill/>
                 <a:prstDash val="solid"/>
               </a:ln>
               <a:solidFill>
-                <a:schemeClr val="accent1">
-                  <a:satMod val="200000"/>
-                  <a:tint val="3000"/>
-                </a:schemeClr>
+                <a:srgbClr val="FFFFFF"/>
               </a:solidFill>
-              <a:effectLst>
-                <a:innerShdw blurRad="101600" dist="76200" dir="5400000">
-                  <a:schemeClr val="accent1">
-                    <a:satMod val="190000"/>
-                    <a:tint val="100000"/>
-                    <a:alpha val="74000"/>
-                  </a:schemeClr>
-                </a:innerShdw>
-              </a:effectLst>
+            </a:endParaRPr>
+          </a:p>
+          <a:p>
+            <a:endParaRPr lang="bg-BG" dirty="0" smtClean="0">
+              <a:ln w="18415" cmpd="sng">
+                <a:noFill/>
+                <a:prstDash val="solid"/>
+              </a:ln>
+              <a:solidFill>
+                <a:srgbClr val="FFFFFF"/>
+              </a:solidFill>
             </a:endParaRPr>
           </a:p>
         </p:txBody>
@@ -7118,7 +8477,7 @@
     </p:spTree>
     <p:extLst>
       <p:ext uri="{BB962C8B-B14F-4D97-AF65-F5344CB8AC3E}">
-        <p14:creationId xmlns:p14="http://schemas.microsoft.com/office/powerpoint/2010/main" val="1054652420"/>
+        <p14:creationId xmlns:p14="http://schemas.microsoft.com/office/powerpoint/2010/main" val="1273608489"/>
       </p:ext>
     </p:extLst>
   </p:cSld>
